--- a/lecture notes/from Modeling to Continuous-time LQ/powerpoint_handouts (work in progress)/12-stability_slides_LTI_eigenvalue (imcmp-presentation-dark) - pub.pptx
+++ b/lecture notes/from Modeling to Continuous-time LQ/powerpoint_handouts (work in progress)/12-stability_slides_LTI_eigenvalue (imcmp-presentation-dark) - pub.pptx
@@ -1730,7 +1730,7 @@
           <a:p>
             <a:fld id="{1D8BD707-D9CF-40AE-B4C6-C98DA3205C09}" type="datetimeFigureOut">
               <a:rPr lang="en-US"/>
-              <a:t>10/10/2025</a:t>
+              <a:t>10/21/25</a:t>
             </a:fld>
             <a:endParaRPr lang="en-US"/>
           </a:p>
@@ -1990,7 +1990,7 @@
           <a:p>
             <a:fld id="{1D8BD707-D9CF-40AE-B4C6-C98DA3205C09}" type="datetimeFigureOut">
               <a:rPr lang="en-US"/>
-              <a:t>10/10/2025</a:t>
+              <a:t>10/21/25</a:t>
             </a:fld>
             <a:endParaRPr lang="en-US"/>
           </a:p>
@@ -2287,7 +2287,7 @@
           <a:p>
             <a:fld id="{1D8BD707-D9CF-40AE-B4C6-C98DA3205C09}" type="datetimeFigureOut">
               <a:rPr lang="en-US"/>
-              <a:t>10/10/2025</a:t>
+              <a:t>10/21/25</a:t>
             </a:fld>
             <a:endParaRPr lang="en-US"/>
           </a:p>
@@ -2518,7 +2518,7 @@
           <a:p>
             <a:fld id="{1D8BD707-D9CF-40AE-B4C6-C98DA3205C09}" type="datetimeFigureOut">
               <a:rPr lang="en-US"/>
-              <a:t>10/10/2025</a:t>
+              <a:t>10/21/25</a:t>
             </a:fld>
             <a:endParaRPr lang="en-US"/>
           </a:p>
@@ -2720,7 +2720,7 @@
           <a:p>
             <a:fld id="{1D8BD707-D9CF-40AE-B4C6-C98DA3205C09}" type="datetimeFigureOut">
               <a:rPr lang="en-US"/>
-              <a:t>10/10/2025</a:t>
+              <a:t>10/21/25</a:t>
             </a:fld>
             <a:endParaRPr lang="en-US"/>
           </a:p>
@@ -3078,7 +3078,7 @@
           <a:p>
             <a:fld id="{1D8BD707-D9CF-40AE-B4C6-C98DA3205C09}" type="datetimeFigureOut">
               <a:rPr lang="en-US"/>
-              <a:t>10/10/2025</a:t>
+              <a:t>10/21/25</a:t>
             </a:fld>
             <a:endParaRPr lang="en-US"/>
           </a:p>
@@ -3484,90 +3484,6 @@
       </p:sp>
       <p:sp>
         <p:nvSpPr>
-          <p:cNvPr id="5" name="object 5"/>
-          <p:cNvSpPr txBox="1">
-            <a:spLocks noGrp="1"/>
-          </p:cNvSpPr>
-          <p:nvPr>
-            <p:ph type="ftr" sz="quarter" idx="5"/>
-          </p:nvPr>
-        </p:nvSpPr>
-        <p:spPr>
-          <a:prstGeom prst="rect">
-            <a:avLst/>
-          </a:prstGeom>
-        </p:spPr>
-        <p:txBody>
-          <a:bodyPr vert="horz" wrap="square" lIns="0" tIns="7620" rIns="0" bIns="0" rtlCol="0">
-            <a:spAutoFit/>
-          </a:bodyPr>
-          <a:lstStyle/>
-          <a:p>
-            <a:pPr marL="12700">
-              <a:lnSpc>
-                <a:spcPct val="100000"/>
-              </a:lnSpc>
-              <a:spcBef>
-                <a:spcPts val="60"/>
-              </a:spcBef>
-            </a:pPr>
-            <a:r>
-              <a:rPr spc="50" dirty="0"/>
-              <a:t>Mod</a:t>
-            </a:r>
-            <a:r>
-              <a:rPr spc="125" dirty="0"/>
-              <a:t> </a:t>
-            </a:r>
-            <a:r>
-              <a:rPr spc="10" dirty="0"/>
-              <a:t>Ctrl</a:t>
-            </a:r>
-            <a:r>
-              <a:rPr spc="130" dirty="0"/>
-              <a:t> </a:t>
-            </a:r>
-            <a:r>
-              <a:rPr spc="10" dirty="0"/>
-              <a:t>Intro</a:t>
-            </a:r>
-            <a:r>
-              <a:rPr spc="415" dirty="0"/>
-              <a:t> </a:t>
-            </a:r>
-            <a:r>
-              <a:rPr spc="50" dirty="0"/>
-              <a:t>(w</a:t>
-            </a:r>
-            <a:r>
-              <a:rPr spc="125" dirty="0"/>
-              <a:t> </a:t>
-            </a:r>
-            <a:r>
-              <a:rPr spc="10" dirty="0"/>
-              <a:t>Matlab</a:t>
-            </a:r>
-            <a:r>
-              <a:rPr spc="130" dirty="0"/>
-              <a:t> </a:t>
-            </a:r>
-            <a:r>
-              <a:rPr spc="125" dirty="0"/>
-              <a:t>&amp;</a:t>
-            </a:r>
-            <a:r>
-              <a:rPr spc="130" dirty="0"/>
-              <a:t> </a:t>
-            </a:r>
-            <a:r>
-              <a:rPr spc="-10" dirty="0"/>
-              <a:t>Python)</a:t>
-            </a:r>
-          </a:p>
-        </p:txBody>
-      </p:sp>
-      <p:sp>
-        <p:nvSpPr>
           <p:cNvPr id="6" name="object 6"/>
           <p:cNvSpPr txBox="1"/>
           <p:nvPr/>
@@ -3662,6 +3578,113 @@
               <a:rPr spc="-25" dirty="0"/>
               <a:t>23</a:t>
             </a:r>
+          </a:p>
+        </p:txBody>
+      </p:sp>
+      <p:sp>
+        <p:nvSpPr>
+          <p:cNvPr id="8" name="object 4">
+            <a:extLst>
+              <a:ext uri="{FF2B5EF4-FFF2-40B4-BE49-F238E27FC236}">
+                <a16:creationId xmlns:a16="http://schemas.microsoft.com/office/drawing/2014/main" id="{04611101-D5F9-AFE1-B546-DFB479639D02}"/>
+              </a:ext>
+            </a:extLst>
+          </p:cNvPr>
+          <p:cNvSpPr txBox="1">
+            <a:spLocks noGrp="1"/>
+          </p:cNvSpPr>
+          <p:nvPr>
+            <p:ph type="ftr" sz="quarter" idx="5"/>
+          </p:nvPr>
+        </p:nvSpPr>
+        <p:spPr>
+          <a:xfrm>
+            <a:off x="-61405" y="3322038"/>
+            <a:ext cx="2152650" cy="116699"/>
+          </a:xfrm>
+          <a:prstGeom prst="rect">
+            <a:avLst/>
+          </a:prstGeom>
+        </p:spPr>
+        <p:txBody>
+          <a:bodyPr vert="horz" wrap="square" lIns="0" tIns="24130" rIns="0" bIns="0" rtlCol="0">
+            <a:spAutoFit/>
+          </a:bodyPr>
+          <a:lstStyle/>
+          <a:p>
+            <a:pPr marL="12700" algn="ctr">
+              <a:lnSpc>
+                <a:spcPct val="100000"/>
+              </a:lnSpc>
+              <a:spcBef>
+                <a:spcPts val="190"/>
+              </a:spcBef>
+            </a:pPr>
+            <a:r>
+              <a:rPr dirty="0"/>
+              <a:t>Mod</a:t>
+            </a:r>
+            <a:r>
+              <a:rPr spc="80" dirty="0"/>
+              <a:t> </a:t>
+            </a:r>
+            <a:r>
+              <a:rPr dirty="0"/>
+              <a:t>Ctrl</a:t>
+            </a:r>
+            <a:r>
+              <a:rPr spc="75" dirty="0"/>
+              <a:t> </a:t>
+            </a:r>
+            <a:r>
+              <a:rPr dirty="0"/>
+              <a:t>Intr</a:t>
+            </a:r>
+            <a:r>
+              <a:rPr lang="en-US" dirty="0"/>
+              <a:t>o</a:t>
+            </a:r>
+            <a:r>
+              <a:rPr lang="en-US" spc="320" dirty="0"/>
+              <a:t> </a:t>
+            </a:r>
+            <a:r>
+              <a:rPr lang="en-US" dirty="0"/>
+              <a:t>(</a:t>
+            </a:r>
+            <a:r>
+              <a:rPr dirty="0"/>
+              <a:t>w</a:t>
+            </a:r>
+            <a:r>
+              <a:rPr spc="75" dirty="0"/>
+              <a:t> </a:t>
+            </a:r>
+            <a:r>
+              <a:rPr dirty="0"/>
+              <a:t>Matlab</a:t>
+            </a:r>
+            <a:r>
+              <a:rPr spc="80" dirty="0"/>
+              <a:t> &amp;</a:t>
+            </a:r>
+            <a:r>
+              <a:rPr spc="75" dirty="0"/>
+              <a:t> </a:t>
+            </a:r>
+            <a:r>
+              <a:rPr spc="-10" dirty="0"/>
+              <a:t>Python)</a:t>
+            </a:r>
+            <a:r>
+              <a:rPr lang="en-US" spc="-10" dirty="0"/>
+              <a:t>, Chen &amp; </a:t>
+            </a:r>
+            <a:r>
+              <a:rPr lang="en-US" spc="-10" dirty="0" err="1"/>
+              <a:t>Tomizuka</a:t>
+            </a:r>
+            <a:endParaRPr spc="-10" dirty="0"/>
           </a:p>
         </p:txBody>
       </p:sp>
@@ -34955,17 +34978,7 @@
                                 <a:latin typeface="Cambria Math" panose="02040503050406030204" pitchFamily="18" charset="0"/>
                                 <a:cs typeface="Arial"/>
                               </a:rPr>
-                              <m:t>1</m:t>
-                            </m:r>
-                            <m:r>
-                              <a:rPr lang="ar-AE" altLang="zh-CN" sz="1100" b="0" i="1" smtClean="0">
-                                <a:solidFill>
-                                  <a:schemeClr val="bg1"/>
-                                </a:solidFill>
-                                <a:latin typeface="Cambria Math" panose="02040503050406030204" pitchFamily="18" charset="0"/>
-                                <a:cs typeface="Arial"/>
-                              </a:rPr>
-                              <m:t>+</m:t>
+                              <m:t>1+</m:t>
                             </m:r>
                             <m:r>
                               <a:rPr lang="zh-CN" altLang="ar-AE" sz="1100" b="0" i="1" smtClean="0">
@@ -34987,17 +35000,7 @@
                                 <a:latin typeface="Cambria Math" panose="02040503050406030204" pitchFamily="18" charset="0"/>
                                 <a:cs typeface="Arial"/>
                               </a:rPr>
-                              <m:t>1</m:t>
-                            </m:r>
-                            <m:r>
-                              <a:rPr lang="ar-AE" altLang="zh-CN" sz="1100" b="0" i="1" smtClean="0">
-                                <a:solidFill>
-                                  <a:schemeClr val="bg1"/>
-                                </a:solidFill>
-                                <a:latin typeface="Cambria Math" panose="02040503050406030204" pitchFamily="18" charset="0"/>
-                                <a:cs typeface="Arial"/>
-                              </a:rPr>
-                              <m:t>−</m:t>
+                              <m:t>1−</m:t>
                             </m:r>
                             <m:r>
                               <a:rPr lang="zh-CN" altLang="ar-AE" sz="1100" b="0" i="1" smtClean="0">
@@ -35070,17 +35073,7 @@
                                     <a:latin typeface="Cambria Math" panose="02040503050406030204" pitchFamily="18" charset="0"/>
                                     <a:cs typeface="Arial"/>
                                   </a:rPr>
-                                  <m:t>1</m:t>
-                                </m:r>
-                                <m:r>
-                                  <a:rPr lang="ar-AE" altLang="zh-CN" sz="1100" b="0" i="1" smtClean="0">
-                                    <a:solidFill>
-                                      <a:schemeClr val="bg1"/>
-                                    </a:solidFill>
-                                    <a:latin typeface="Cambria Math" panose="02040503050406030204" pitchFamily="18" charset="0"/>
-                                    <a:cs typeface="Arial"/>
-                                  </a:rPr>
-                                  <m:t>+</m:t>
+                                  <m:t>1+</m:t>
                                 </m:r>
                                 <m:r>
                                   <a:rPr lang="zh-CN" altLang="ar-AE" sz="1100" b="0" i="1" smtClean="0">
@@ -35102,17 +35095,7 @@
                                     <a:latin typeface="Cambria Math" panose="02040503050406030204" pitchFamily="18" charset="0"/>
                                     <a:cs typeface="Arial"/>
                                   </a:rPr>
-                                  <m:t>1</m:t>
-                                </m:r>
-                                <m:r>
-                                  <a:rPr lang="ar-AE" altLang="zh-CN" sz="1100" b="0" i="1" smtClean="0">
-                                    <a:solidFill>
-                                      <a:schemeClr val="bg1"/>
-                                    </a:solidFill>
-                                    <a:latin typeface="Cambria Math" panose="02040503050406030204" pitchFamily="18" charset="0"/>
-                                    <a:cs typeface="Arial"/>
-                                  </a:rPr>
-                                  <m:t>−</m:t>
+                                  <m:t>1−</m:t>
                                 </m:r>
                                 <m:r>
                                   <a:rPr lang="zh-CN" altLang="ar-AE" sz="1100" b="0" i="1" smtClean="0">
@@ -35236,17 +35219,7 @@
                                     <a:latin typeface="Cambria Math" panose="02040503050406030204" pitchFamily="18" charset="0"/>
                                     <a:cs typeface="Arial"/>
                                   </a:rPr>
-                                  <m:t>1</m:t>
-                                </m:r>
-                                <m:r>
-                                  <a:rPr lang="ar-AE" altLang="zh-CN" sz="1100" b="0" i="1" smtClean="0">
-                                    <a:solidFill>
-                                      <a:schemeClr val="bg1"/>
-                                    </a:solidFill>
-                                    <a:latin typeface="Cambria Math" panose="02040503050406030204" pitchFamily="18" charset="0"/>
-                                    <a:cs typeface="Arial"/>
-                                  </a:rPr>
-                                  <m:t>+</m:t>
+                                  <m:t>1+</m:t>
                                 </m:r>
                                 <m:r>
                                   <a:rPr lang="zh-CN" altLang="ar-AE" sz="1100" b="0" i="1" smtClean="0">
@@ -35268,17 +35241,7 @@
                                     <a:latin typeface="Cambria Math" panose="02040503050406030204" pitchFamily="18" charset="0"/>
                                     <a:cs typeface="Arial"/>
                                   </a:rPr>
-                                  <m:t>1</m:t>
-                                </m:r>
-                                <m:r>
-                                  <a:rPr lang="ar-AE" altLang="zh-CN" sz="1100" b="0" i="1" smtClean="0">
-                                    <a:solidFill>
-                                      <a:schemeClr val="bg1"/>
-                                    </a:solidFill>
-                                    <a:latin typeface="Cambria Math" panose="02040503050406030204" pitchFamily="18" charset="0"/>
-                                    <a:cs typeface="Arial"/>
-                                  </a:rPr>
-                                  <m:t>−</m:t>
+                                  <m:t>1−</m:t>
                                 </m:r>
                                 <m:r>
                                   <a:rPr lang="zh-CN" altLang="ar-AE" sz="1100" b="0" i="1" smtClean="0">
@@ -35314,17 +35277,7 @@
                             <a:latin typeface="Cambria Math" panose="02040503050406030204" pitchFamily="18" charset="0"/>
                             <a:cs typeface="Arial"/>
                           </a:rPr>
-                          <m:t>−</m:t>
-                        </m:r>
-                        <m:r>
-                          <a:rPr lang="ar-AE" altLang="zh-CN" sz="1100" b="0" i="1" smtClean="0">
-                            <a:solidFill>
-                              <a:schemeClr val="bg1"/>
-                            </a:solidFill>
-                            <a:latin typeface="Cambria Math" panose="02040503050406030204" pitchFamily="18" charset="0"/>
-                            <a:cs typeface="Arial"/>
-                          </a:rPr>
-                          <m:t>1</m:t>
+                          <m:t>−1</m:t>
                         </m:r>
                       </m:sup>
                     </m:sSup>
@@ -35496,17 +35449,7 @@
                                     <a:latin typeface="Cambria Math" panose="02040503050406030204" pitchFamily="18" charset="0"/>
                                     <a:cs typeface="Arial"/>
                                   </a:rPr>
-                                  <m:t>1</m:t>
-                                </m:r>
-                                <m:r>
-                                  <a:rPr lang="ar-AE" altLang="zh-CN" sz="1100" b="0" i="1" smtClean="0">
-                                    <a:solidFill>
-                                      <a:schemeClr val="bg1"/>
-                                    </a:solidFill>
-                                    <a:latin typeface="Cambria Math" panose="02040503050406030204" pitchFamily="18" charset="0"/>
-                                    <a:cs typeface="Arial"/>
-                                  </a:rPr>
-                                  <m:t>−</m:t>
+                                  <m:t>1−</m:t>
                                 </m:r>
                                 <m:r>
                                   <a:rPr lang="zh-CN" altLang="ar-AE" sz="1100" b="0" i="1" smtClean="0">
@@ -35921,17 +35864,7 @@
                             <a:latin typeface="Cambria Math" panose="02040503050406030204" pitchFamily="18" charset="0"/>
                             <a:cs typeface="Arial"/>
                           </a:rPr>
-                          <m:t>−</m:t>
-                        </m:r>
-                        <m:r>
-                          <a:rPr lang="ar-AE" altLang="zh-CN" sz="1100" b="0" i="1" smtClean="0">
-                            <a:solidFill>
-                              <a:schemeClr val="bg1"/>
-                            </a:solidFill>
-                            <a:latin typeface="Cambria Math" panose="02040503050406030204" pitchFamily="18" charset="0"/>
-                            <a:cs typeface="Arial"/>
-                          </a:rPr>
-                          <m:t>1</m:t>
+                          <m:t>−1</m:t>
                         </m:r>
                       </m:sub>
                       <m:sup>
@@ -35990,17 +35923,7 @@
                             <a:latin typeface="Cambria Math" panose="02040503050406030204" pitchFamily="18" charset="0"/>
                             <a:cs typeface="Arial"/>
                           </a:rPr>
-                          <m:t>−</m:t>
-                        </m:r>
-                        <m:r>
-                          <a:rPr lang="ar-AE" altLang="zh-CN" sz="1100" b="0" i="1" smtClean="0">
-                            <a:solidFill>
-                              <a:schemeClr val="bg1"/>
-                            </a:solidFill>
-                            <a:latin typeface="Cambria Math" panose="02040503050406030204" pitchFamily="18" charset="0"/>
-                            <a:cs typeface="Arial"/>
-                          </a:rPr>
-                          <m:t>1</m:t>
+                          <m:t>−1</m:t>
                         </m:r>
                       </m:sup>
                     </m:sSup>
@@ -36190,17 +36113,7 @@
                                 <a:latin typeface="Cambria Math" panose="02040503050406030204" pitchFamily="18" charset="0"/>
                                 <a:cs typeface="Arial"/>
                               </a:rPr>
-                              <m:t>1</m:t>
-                            </m:r>
-                            <m:r>
-                              <a:rPr lang="ar-AE" altLang="zh-CN" sz="1100" b="0" i="1" smtClean="0">
-                                <a:solidFill>
-                                  <a:schemeClr val="bg1"/>
-                                </a:solidFill>
-                                <a:latin typeface="Cambria Math" panose="02040503050406030204" pitchFamily="18" charset="0"/>
-                                <a:cs typeface="Arial"/>
-                              </a:rPr>
-                              <m:t>+</m:t>
+                              <m:t>1+</m:t>
                             </m:r>
                             <m:r>
                               <a:rPr lang="zh-CN" altLang="ar-AE" sz="1100" b="0" i="1" smtClean="0">
@@ -36222,17 +36135,7 @@
                                 <a:latin typeface="Cambria Math" panose="02040503050406030204" pitchFamily="18" charset="0"/>
                                 <a:cs typeface="Arial"/>
                               </a:rPr>
-                              <m:t>1</m:t>
-                            </m:r>
-                            <m:r>
-                              <a:rPr lang="ar-AE" altLang="zh-CN" sz="1100" b="0" i="1" smtClean="0">
-                                <a:solidFill>
-                                  <a:schemeClr val="bg1"/>
-                                </a:solidFill>
-                                <a:latin typeface="Cambria Math" panose="02040503050406030204" pitchFamily="18" charset="0"/>
-                                <a:cs typeface="Arial"/>
-                              </a:rPr>
-                              <m:t>−</m:t>
+                              <m:t>1−</m:t>
                             </m:r>
                             <m:r>
                               <a:rPr lang="zh-CN" altLang="ar-AE" sz="1100" b="0" i="1" smtClean="0">
@@ -36282,17 +36185,7 @@
                                 <a:latin typeface="Cambria Math" panose="02040503050406030204" pitchFamily="18" charset="0"/>
                                 <a:cs typeface="Arial"/>
                               </a:rPr>
-                              <m:t>1</m:t>
-                            </m:r>
-                            <m:r>
-                              <a:rPr lang="ar-AE" altLang="zh-CN" sz="1100" b="0" i="1" smtClean="0">
-                                <a:solidFill>
-                                  <a:schemeClr val="bg1"/>
-                                </a:solidFill>
-                                <a:latin typeface="Cambria Math" panose="02040503050406030204" pitchFamily="18" charset="0"/>
-                                <a:cs typeface="Arial"/>
-                              </a:rPr>
-                              <m:t>−</m:t>
+                              <m:t>1−</m:t>
                             </m:r>
                             <m:r>
                               <a:rPr lang="zh-CN" altLang="ar-AE" sz="1100" b="0" i="1" smtClean="0">
